--- a/TETRIS-JFX-presentation.pptx
+++ b/TETRIS-JFX-presentation.pptx
@@ -109,6 +109,11 @@
       </a:defRPr>
     </a:lvl9pPr>
   </p:defaultTextStyle>
+  <p:extLst>
+    <p:ext uri="{EFAFB233-063F-42B5-8137-9DF3F51BA10A}">
+      <p15:sldGuideLst xmlns:p15="http://schemas.microsoft.com/office/powerpoint/2012/main"/>
+    </p:ext>
+  </p:extLst>
 </p:presentation>
 </file>
 
@@ -259,7 +264,7 @@
           <a:p>
             <a:fld id="{942A852B-6DEE-444E-82DE-71DA158E8532}" type="datetimeFigureOut">
               <a:rPr lang="en-US" smtClean="0"/>
-              <a:t>11/27/2022</a:t>
+              <a:t>11/28/2022</a:t>
             </a:fld>
             <a:endParaRPr lang="en-US"/>
           </a:p>
@@ -457,7 +462,7 @@
           <a:p>
             <a:fld id="{942A852B-6DEE-444E-82DE-71DA158E8532}" type="datetimeFigureOut">
               <a:rPr lang="en-US" smtClean="0"/>
-              <a:t>11/27/2022</a:t>
+              <a:t>11/28/2022</a:t>
             </a:fld>
             <a:endParaRPr lang="en-US"/>
           </a:p>
@@ -665,7 +670,7 @@
           <a:p>
             <a:fld id="{942A852B-6DEE-444E-82DE-71DA158E8532}" type="datetimeFigureOut">
               <a:rPr lang="en-US" smtClean="0"/>
-              <a:t>11/27/2022</a:t>
+              <a:t>11/28/2022</a:t>
             </a:fld>
             <a:endParaRPr lang="en-US"/>
           </a:p>
@@ -863,7 +868,7 @@
           <a:p>
             <a:fld id="{942A852B-6DEE-444E-82DE-71DA158E8532}" type="datetimeFigureOut">
               <a:rPr lang="en-US" smtClean="0"/>
-              <a:t>11/27/2022</a:t>
+              <a:t>11/28/2022</a:t>
             </a:fld>
             <a:endParaRPr lang="en-US"/>
           </a:p>
@@ -1138,7 +1143,7 @@
           <a:p>
             <a:fld id="{942A852B-6DEE-444E-82DE-71DA158E8532}" type="datetimeFigureOut">
               <a:rPr lang="en-US" smtClean="0"/>
-              <a:t>11/27/2022</a:t>
+              <a:t>11/28/2022</a:t>
             </a:fld>
             <a:endParaRPr lang="en-US"/>
           </a:p>
@@ -1403,7 +1408,7 @@
           <a:p>
             <a:fld id="{942A852B-6DEE-444E-82DE-71DA158E8532}" type="datetimeFigureOut">
               <a:rPr lang="en-US" smtClean="0"/>
-              <a:t>11/27/2022</a:t>
+              <a:t>11/28/2022</a:t>
             </a:fld>
             <a:endParaRPr lang="en-US"/>
           </a:p>
@@ -1815,7 +1820,7 @@
           <a:p>
             <a:fld id="{942A852B-6DEE-444E-82DE-71DA158E8532}" type="datetimeFigureOut">
               <a:rPr lang="en-US" smtClean="0"/>
-              <a:t>11/27/2022</a:t>
+              <a:t>11/28/2022</a:t>
             </a:fld>
             <a:endParaRPr lang="en-US"/>
           </a:p>
@@ -1956,7 +1961,7 @@
           <a:p>
             <a:fld id="{942A852B-6DEE-444E-82DE-71DA158E8532}" type="datetimeFigureOut">
               <a:rPr lang="en-US" smtClean="0"/>
-              <a:t>11/27/2022</a:t>
+              <a:t>11/28/2022</a:t>
             </a:fld>
             <a:endParaRPr lang="en-US"/>
           </a:p>
@@ -2069,7 +2074,7 @@
           <a:p>
             <a:fld id="{942A852B-6DEE-444E-82DE-71DA158E8532}" type="datetimeFigureOut">
               <a:rPr lang="en-US" smtClean="0"/>
-              <a:t>11/27/2022</a:t>
+              <a:t>11/28/2022</a:t>
             </a:fld>
             <a:endParaRPr lang="en-US"/>
           </a:p>
@@ -2380,7 +2385,7 @@
           <a:p>
             <a:fld id="{942A852B-6DEE-444E-82DE-71DA158E8532}" type="datetimeFigureOut">
               <a:rPr lang="en-US" smtClean="0"/>
-              <a:t>11/27/2022</a:t>
+              <a:t>11/28/2022</a:t>
             </a:fld>
             <a:endParaRPr lang="en-US"/>
           </a:p>
@@ -2668,7 +2673,7 @@
           <a:p>
             <a:fld id="{942A852B-6DEE-444E-82DE-71DA158E8532}" type="datetimeFigureOut">
               <a:rPr lang="en-US" smtClean="0"/>
-              <a:t>11/27/2022</a:t>
+              <a:t>11/28/2022</a:t>
             </a:fld>
             <a:endParaRPr lang="en-US"/>
           </a:p>
@@ -2909,7 +2914,7 @@
           <a:p>
             <a:fld id="{942A852B-6DEE-444E-82DE-71DA158E8532}" type="datetimeFigureOut">
               <a:rPr lang="en-US" smtClean="0"/>
-              <a:t>11/27/2022</a:t>
+              <a:t>11/28/2022</a:t>
             </a:fld>
             <a:endParaRPr lang="en-US"/>
           </a:p>
@@ -3593,12 +3598,49 @@
           <a:chExt cx="0" cy="0"/>
         </a:xfrm>
       </p:grpSpPr>
+      <p:sp>
+        <p:nvSpPr>
+          <p:cNvPr id="6" name="Title 5">
+            <a:extLst>
+              <a:ext uri="{FF2B5EF4-FFF2-40B4-BE49-F238E27FC236}">
+                <a16:creationId xmlns:a16="http://schemas.microsoft.com/office/drawing/2014/main" id="{DFBA9DF2-1108-2CCB-6AC7-49C48497D50F}"/>
+              </a:ext>
+            </a:extLst>
+          </p:cNvPr>
+          <p:cNvSpPr>
+            <a:spLocks noGrp="1"/>
+          </p:cNvSpPr>
+          <p:nvPr>
+            <p:ph type="ctrTitle"/>
+          </p:nvPr>
+        </p:nvSpPr>
+        <p:spPr>
+          <a:xfrm>
+            <a:off x="247290" y="570272"/>
+            <a:ext cx="3414310" cy="1258528"/>
+          </a:xfrm>
+        </p:spPr>
+        <p:txBody>
+          <a:bodyPr/>
+          <a:lstStyle/>
+          <a:p>
+            <a:r>
+              <a:rPr lang="en-US" dirty="0">
+                <a:solidFill>
+                  <a:schemeClr val="bg1"/>
+                </a:solidFill>
+              </a:rPr>
+              <a:t>Example:</a:t>
+            </a:r>
+          </a:p>
+        </p:txBody>
+      </p:sp>
       <p:pic>
         <p:nvPicPr>
-          <p:cNvPr id="5" name="Picture 4">
-            <a:extLst>
-              <a:ext uri="{FF2B5EF4-FFF2-40B4-BE49-F238E27FC236}">
-                <a16:creationId xmlns:a16="http://schemas.microsoft.com/office/drawing/2014/main" id="{C01B9FD3-6A25-87E5-0D77-32FFEDB27D8C}"/>
+          <p:cNvPr id="2" name="Picture 1" descr="Chart, waterfall chart&#10;&#10;Description automatically generated">
+            <a:extLst>
+              <a:ext uri="{FF2B5EF4-FFF2-40B4-BE49-F238E27FC236}">
+                <a16:creationId xmlns:a16="http://schemas.microsoft.com/office/drawing/2014/main" id="{A42E64B0-8BAD-BD5E-4001-7357ABED0E7F}"/>
               </a:ext>
             </a:extLst>
           </p:cNvPr>
@@ -3615,51 +3657,14 @@
         </p:blipFill>
         <p:spPr>
           <a:xfrm>
-            <a:off x="3661600" y="0"/>
-            <a:ext cx="4868800" cy="6858000"/>
+            <a:off x="3661600" y="-7848"/>
+            <a:ext cx="4868802" cy="6873699"/>
           </a:xfrm>
           <a:prstGeom prst="rect">
             <a:avLst/>
           </a:prstGeom>
         </p:spPr>
       </p:pic>
-      <p:sp>
-        <p:nvSpPr>
-          <p:cNvPr id="6" name="Title 5">
-            <a:extLst>
-              <a:ext uri="{FF2B5EF4-FFF2-40B4-BE49-F238E27FC236}">
-                <a16:creationId xmlns:a16="http://schemas.microsoft.com/office/drawing/2014/main" id="{DFBA9DF2-1108-2CCB-6AC7-49C48497D50F}"/>
-              </a:ext>
-            </a:extLst>
-          </p:cNvPr>
-          <p:cNvSpPr>
-            <a:spLocks noGrp="1"/>
-          </p:cNvSpPr>
-          <p:nvPr>
-            <p:ph type="ctrTitle"/>
-          </p:nvPr>
-        </p:nvSpPr>
-        <p:spPr>
-          <a:xfrm>
-            <a:off x="247290" y="570272"/>
-            <a:ext cx="3414310" cy="1258528"/>
-          </a:xfrm>
-        </p:spPr>
-        <p:txBody>
-          <a:bodyPr/>
-          <a:lstStyle/>
-          <a:p>
-            <a:r>
-              <a:rPr lang="en-US" dirty="0">
-                <a:solidFill>
-                  <a:schemeClr val="bg1"/>
-                </a:solidFill>
-              </a:rPr>
-              <a:t>Example:</a:t>
-            </a:r>
-          </a:p>
-        </p:txBody>
-      </p:sp>
     </p:spTree>
     <p:extLst>
       <p:ext uri="{BB962C8B-B14F-4D97-AF65-F5344CB8AC3E}">
@@ -3700,10 +3705,10 @@
       </p:grpSpPr>
       <p:pic>
         <p:nvPicPr>
-          <p:cNvPr id="5" name="Picture 4">
-            <a:extLst>
-              <a:ext uri="{FF2B5EF4-FFF2-40B4-BE49-F238E27FC236}">
-                <a16:creationId xmlns:a16="http://schemas.microsoft.com/office/drawing/2014/main" id="{88F3482F-5701-C207-D775-ABE9FDBB9567}"/>
+          <p:cNvPr id="3" name="Picture 2">
+            <a:extLst>
+              <a:ext uri="{FF2B5EF4-FFF2-40B4-BE49-F238E27FC236}">
+                <a16:creationId xmlns:a16="http://schemas.microsoft.com/office/drawing/2014/main" id="{DE3051C8-4FCA-CDF4-14DF-7A06FAC81BF8}"/>
               </a:ext>
             </a:extLst>
           </p:cNvPr>
@@ -3720,8 +3725,8 @@
         </p:blipFill>
         <p:spPr>
           <a:xfrm>
-            <a:off x="3566943" y="0"/>
-            <a:ext cx="5058114" cy="6858000"/>
+            <a:off x="2648262" y="0"/>
+            <a:ext cx="6895476" cy="6858000"/>
           </a:xfrm>
           <a:prstGeom prst="rect">
             <a:avLst/>
